--- a/Atliq Hardware Ad-hoc analysis ppt.pptx
+++ b/Atliq Hardware Ad-hoc analysis ppt.pptx
@@ -18073,6 +18073,14 @@
   <p:clrMapOvr>
     <a:masterClrMapping/>
   </p:clrMapOvr>
+  <mc:AlternateContent xmlns:mc="http://schemas.openxmlformats.org/markup-compatibility/2006" xmlns:p14="http://schemas.microsoft.com/office/powerpoint/2010/main">
+    <mc:Choice Requires="p14">
+      <p:transition spd="slow" p14:dur="2000" advTm="464753"/>
+    </mc:Choice>
+    <mc:Fallback xmlns="">
+      <p:transition spd="slow" advTm="464753"/>
+    </mc:Fallback>
+  </mc:AlternateContent>
   <p:timing>
     <p:tnLst>
       <p:par>
@@ -18337,6 +18345,11 @@
           <a:prstGeom prst="rect">
             <a:avLst/>
           </a:prstGeom>
+          <a:ln>
+            <a:solidFill>
+              <a:schemeClr val="tx1"/>
+            </a:solidFill>
+          </a:ln>
         </p:spPr>
       </p:pic>
       <p:sp>
@@ -20845,6 +20858,11 @@
           <a:prstGeom prst="rect">
             <a:avLst/>
           </a:prstGeom>
+          <a:ln>
+            <a:solidFill>
+              <a:schemeClr val="tx1"/>
+            </a:solidFill>
+          </a:ln>
         </p:spPr>
       </p:pic>
       <p:pic>
@@ -21553,6 +21571,11 @@
           <a:prstGeom prst="rect">
             <a:avLst/>
           </a:prstGeom>
+          <a:ln>
+            <a:solidFill>
+              <a:schemeClr val="tx1"/>
+            </a:solidFill>
+          </a:ln>
         </p:spPr>
       </p:pic>
       <p:sp>
@@ -22344,6 +22367,11 @@
           <a:prstGeom prst="rect">
             <a:avLst/>
           </a:prstGeom>
+          <a:ln>
+            <a:solidFill>
+              <a:schemeClr val="tx1"/>
+            </a:solidFill>
+          </a:ln>
           <a:effectLst>
             <a:outerShdw blurRad="63500" sx="102000" sy="102000" algn="ctr" rotWithShape="0">
               <a:prstClr val="black">
@@ -24558,7 +24586,7 @@
                 <a:latin typeface="Calibri" panose="020F0502020204030204" pitchFamily="34" charset="0"/>
                 <a:cs typeface="Calibri" panose="020F0502020204030204" pitchFamily="34" charset="0"/>
               </a:rPr>
-              <a:t>Network &amp; Storage division sold maximum quantity product in FY 2021. Although it brought only 12% of total gross sales amount. Also considering the fact that this division had the least modification of product, I would like to suggest AtliQ to revise products sale price and introduce new products in Network &amp; Storage division.</a:t>
+              <a:t>Network &amp; Storage division sold maximum quantity product in FY 2021. Although it brought only 12% of total gross sales amount. Also considering  that this division had the least modification of product, I would like to suggest AtliQ to revise products sale price and introduce new products in Network &amp; Storage division.</a:t>
             </a:r>
           </a:p>
           <a:p>
@@ -24705,7 +24733,7 @@
         <p:spPr>
           <a:xfrm>
             <a:off x="2271252" y="1443841"/>
-            <a:ext cx="7639663" cy="3477875"/>
+            <a:ext cx="7639663" cy="3170099"/>
           </a:xfrm>
           <a:prstGeom prst="rect">
             <a:avLst/>
@@ -24758,16 +24786,27 @@
             </a:r>
           </a:p>
           <a:p>
-            <a:pPr marL="285750" indent="-285750" algn="l">
-              <a:buFont typeface="Arial" panose="020B0604020202020204" pitchFamily="34" charset="0"/>
-              <a:buChar char="•"/>
-            </a:pPr>
+            <a:pPr algn="l"/>
             <a:r>
               <a:rPr lang="en-US" sz="2000" b="0" i="0" u="none" strike="noStrike" baseline="0" dirty="0">
                 <a:latin typeface="Calibri" panose="020F0502020204030204" pitchFamily="34" charset="0"/>
                 <a:cs typeface="Calibri" panose="020F0502020204030204" pitchFamily="34" charset="0"/>
               </a:rPr>
-              <a:t>sufficient insights to make prompt, wise, and data-informed </a:t>
+              <a:t>     sufficient insights to make prompt, wise, and data-</a:t>
+            </a:r>
+            <a:r>
+              <a:rPr lang="en-US" sz="2000" b="0" i="0" u="none" strike="noStrike" baseline="0" dirty="0" err="1">
+                <a:latin typeface="Calibri" panose="020F0502020204030204" pitchFamily="34" charset="0"/>
+                <a:cs typeface="Calibri" panose="020F0502020204030204" pitchFamily="34" charset="0"/>
+              </a:rPr>
+              <a:t>informe</a:t>
+            </a:r>
+            <a:r>
+              <a:rPr lang="en-US" sz="2000" b="0" i="0" u="none" strike="noStrike" baseline="0" dirty="0">
+                <a:latin typeface="Calibri" panose="020F0502020204030204" pitchFamily="34" charset="0"/>
+                <a:cs typeface="Calibri" panose="020F0502020204030204" pitchFamily="34" charset="0"/>
+              </a:rPr>
+              <a:t> </a:t>
             </a:r>
             <a:r>
               <a:rPr lang="en-IN" sz="2000" dirty="0">
@@ -24796,12 +24835,13 @@
               </a:rPr>
               <a:t>Plan to expand the data analytics team by adding junior data</a:t>
             </a:r>
-          </a:p>
-          <a:p>
-            <a:pPr marL="285750" indent="-285750" algn="l">
-              <a:buFont typeface="Arial" panose="020B0604020202020204" pitchFamily="34" charset="0"/>
-              <a:buChar char="•"/>
-            </a:pPr>
+            <a:r>
+              <a:rPr lang="en-US" sz="2000" dirty="0">
+                <a:latin typeface="Calibri" panose="020F0502020204030204" pitchFamily="34" charset="0"/>
+                <a:cs typeface="Calibri" panose="020F0502020204030204" pitchFamily="34" charset="0"/>
+              </a:rPr>
+              <a:t> </a:t>
+            </a:r>
             <a:r>
               <a:rPr lang="en-IN" sz="2000" b="0" i="0" u="none" strike="noStrike" baseline="0" dirty="0">
                 <a:latin typeface="Calibri" panose="020F0502020204030204" pitchFamily="34" charset="0"/>
@@ -24866,6 +24906,14 @@
   <p:clrMapOvr>
     <a:masterClrMapping/>
   </p:clrMapOvr>
+  <mc:AlternateContent xmlns:mc="http://schemas.openxmlformats.org/markup-compatibility/2006" xmlns:p14="http://schemas.microsoft.com/office/powerpoint/2010/main">
+    <mc:Choice Requires="p14">
+      <p:transition spd="slow" p14:dur="2000" advTm="12360"/>
+    </mc:Choice>
+    <mc:Fallback xmlns="">
+      <p:transition spd="slow" advTm="12360"/>
+    </mc:Fallback>
+  </mc:AlternateContent>
 </p:sld>
 </file>
 
@@ -27910,6 +27958,164 @@
           <a:p>
             <a:pPr algn="ctr"/>
             <a:endParaRPr lang="en-IN"/>
+          </a:p>
+        </p:txBody>
+      </p:sp>
+      <p:sp>
+        <p:nvSpPr>
+          <p:cNvPr id="7" name="Rectangle 6">
+            <a:extLst>
+              <a:ext uri="{FF2B5EF4-FFF2-40B4-BE49-F238E27FC236}">
+                <a16:creationId xmlns:a16="http://schemas.microsoft.com/office/drawing/2014/main" id="{72E6C0B8-9EF9-F034-C96A-788F17B96CF4}"/>
+              </a:ext>
+            </a:extLst>
+          </p:cNvPr>
+          <p:cNvSpPr/>
+          <p:nvPr/>
+        </p:nvSpPr>
+        <p:spPr>
+          <a:xfrm rot="9406668">
+            <a:off x="7085992" y="5826975"/>
+            <a:ext cx="46800" cy="825361"/>
+          </a:xfrm>
+          <a:prstGeom prst="rect">
+            <a:avLst/>
+          </a:prstGeom>
+          <a:solidFill>
+            <a:schemeClr val="bg1"/>
+          </a:solidFill>
+          <a:ln>
+            <a:solidFill>
+              <a:schemeClr val="bg1"/>
+            </a:solidFill>
+          </a:ln>
+        </p:spPr>
+        <p:style>
+          <a:lnRef idx="2">
+            <a:schemeClr val="accent1">
+              <a:shade val="15000"/>
+            </a:schemeClr>
+          </a:lnRef>
+          <a:fillRef idx="1">
+            <a:schemeClr val="accent1"/>
+          </a:fillRef>
+          <a:effectRef idx="0">
+            <a:schemeClr val="accent1"/>
+          </a:effectRef>
+          <a:fontRef idx="minor">
+            <a:schemeClr val="lt1"/>
+          </a:fontRef>
+        </p:style>
+        <p:txBody>
+          <a:bodyPr rtlCol="0" anchor="ctr"/>
+          <a:lstStyle/>
+          <a:p>
+            <a:pPr algn="ctr"/>
+            <a:endParaRPr lang="en-IN"/>
+          </a:p>
+        </p:txBody>
+      </p:sp>
+      <p:sp>
+        <p:nvSpPr>
+          <p:cNvPr id="9" name="Rectangle 8">
+            <a:extLst>
+              <a:ext uri="{FF2B5EF4-FFF2-40B4-BE49-F238E27FC236}">
+                <a16:creationId xmlns:a16="http://schemas.microsoft.com/office/drawing/2014/main" id="{07508DC6-2A5A-61C2-CBBA-61FD24452B2C}"/>
+              </a:ext>
+            </a:extLst>
+          </p:cNvPr>
+          <p:cNvSpPr/>
+          <p:nvPr/>
+        </p:nvSpPr>
+        <p:spPr>
+          <a:xfrm rot="10800000">
+            <a:off x="5995390" y="5991333"/>
+            <a:ext cx="46800" cy="825361"/>
+          </a:xfrm>
+          <a:prstGeom prst="rect">
+            <a:avLst/>
+          </a:prstGeom>
+          <a:solidFill>
+            <a:schemeClr val="bg1"/>
+          </a:solidFill>
+          <a:ln>
+            <a:solidFill>
+              <a:schemeClr val="bg1"/>
+            </a:solidFill>
+          </a:ln>
+        </p:spPr>
+        <p:style>
+          <a:lnRef idx="2">
+            <a:schemeClr val="accent1">
+              <a:shade val="15000"/>
+            </a:schemeClr>
+          </a:lnRef>
+          <a:fillRef idx="1">
+            <a:schemeClr val="accent1"/>
+          </a:fillRef>
+          <a:effectRef idx="0">
+            <a:schemeClr val="accent1"/>
+          </a:effectRef>
+          <a:fontRef idx="minor">
+            <a:schemeClr val="lt1"/>
+          </a:fontRef>
+        </p:style>
+        <p:txBody>
+          <a:bodyPr rtlCol="0" anchor="ctr"/>
+          <a:lstStyle/>
+          <a:p>
+            <a:pPr algn="ctr"/>
+            <a:endParaRPr lang="en-IN"/>
+          </a:p>
+        </p:txBody>
+      </p:sp>
+      <p:sp>
+        <p:nvSpPr>
+          <p:cNvPr id="10" name="Rectangle 9">
+            <a:extLst>
+              <a:ext uri="{FF2B5EF4-FFF2-40B4-BE49-F238E27FC236}">
+                <a16:creationId xmlns:a16="http://schemas.microsoft.com/office/drawing/2014/main" id="{48886588-4521-6B63-33DB-C5D8E8E4CC6F}"/>
+              </a:ext>
+            </a:extLst>
+          </p:cNvPr>
+          <p:cNvSpPr/>
+          <p:nvPr/>
+        </p:nvSpPr>
+        <p:spPr>
+          <a:xfrm rot="20341960">
+            <a:off x="4672424" y="944436"/>
+            <a:ext cx="931497" cy="523220"/>
+          </a:xfrm>
+          <a:prstGeom prst="rect">
+            <a:avLst/>
+          </a:prstGeom>
+          <a:noFill/>
+        </p:spPr>
+        <p:txBody>
+          <a:bodyPr wrap="square" lIns="91440" tIns="45720" rIns="91440" bIns="45720">
+            <a:spAutoFit/>
+          </a:bodyPr>
+          <a:lstStyle/>
+          <a:p>
+            <a:pPr algn="ctr"/>
+            <a:r>
+              <a:rPr lang="en-US" sz="1400" b="0" cap="none" spc="0" dirty="0">
+                <a:ln w="0"/>
+                <a:solidFill>
+                  <a:schemeClr val="tx1"/>
+                </a:solidFill>
+                <a:effectLst>
+                  <a:outerShdw blurRad="38100" dist="19050" dir="2700000" algn="tl" rotWithShape="0">
+                    <a:schemeClr val="dk1">
+                      <a:alpha val="40000"/>
+                    </a:schemeClr>
+                  </a:outerShdw>
+                </a:effectLst>
+                <a:latin typeface="Calibri" panose="020F0502020204030204" pitchFamily="34" charset="0"/>
+                <a:cs typeface="Calibri" panose="020F0502020204030204" pitchFamily="34" charset="0"/>
+              </a:rPr>
+              <a:t>USB Flash devices</a:t>
+            </a:r>
           </a:p>
         </p:txBody>
       </p:sp>
@@ -28294,6 +28500,11 @@
           <a:prstGeom prst="rect">
             <a:avLst/>
           </a:prstGeom>
+          <a:ln>
+            <a:solidFill>
+              <a:schemeClr val="tx1"/>
+            </a:solidFill>
+          </a:ln>
           <a:effectLst>
             <a:outerShdw blurRad="63500" sx="102000" sy="102000" algn="ctr" rotWithShape="0">
               <a:prstClr val="black">
@@ -28821,6 +29032,11 @@
           <a:prstGeom prst="rect">
             <a:avLst/>
           </a:prstGeom>
+          <a:ln>
+            <a:solidFill>
+              <a:schemeClr val="tx1"/>
+            </a:solidFill>
+          </a:ln>
           <a:effectLst>
             <a:outerShdw blurRad="63500" sx="102000" sy="102000" algn="ctr" rotWithShape="0">
               <a:prstClr val="black">
@@ -29901,13 +30117,6 @@
               <a:t>3. Provide a report with all the unique product counts for each segment and sort them in descending order of     product counts. </a:t>
             </a:r>
             <a:r>
-              <a:rPr lang="en-US" dirty="0">
-                <a:latin typeface="Calibri" panose="020F0502020204030204" pitchFamily="34" charset="0"/>
-                <a:cs typeface="Calibri" panose="020F0502020204030204" pitchFamily="34" charset="0"/>
-              </a:rPr>
-              <a:t>(</a:t>
-            </a:r>
-            <a:r>
               <a:rPr lang="en-US" b="0" i="0" u="none" strike="noStrike" baseline="0" dirty="0">
                 <a:latin typeface="Calibri" panose="020F0502020204030204" pitchFamily="34" charset="0"/>
                 <a:cs typeface="Calibri" panose="020F0502020204030204" pitchFamily="34" charset="0"/>
@@ -30059,6 +30268,11 @@
           <a:prstGeom prst="rect">
             <a:avLst/>
           </a:prstGeom>
+          <a:ln>
+            <a:solidFill>
+              <a:schemeClr val="tx1"/>
+            </a:solidFill>
+          </a:ln>
         </p:spPr>
       </p:pic>
       <p:sp>
@@ -31084,12 +31298,17 @@
         </p:blipFill>
         <p:spPr>
           <a:xfrm>
-            <a:off x="594455" y="2215427"/>
+            <a:off x="594455" y="2230175"/>
             <a:ext cx="4447273" cy="2207172"/>
           </a:xfrm>
           <a:prstGeom prst="rect">
             <a:avLst/>
           </a:prstGeom>
+          <a:ln>
+            <a:solidFill>
+              <a:schemeClr val="tx1"/>
+            </a:solidFill>
+          </a:ln>
         </p:spPr>
       </p:pic>
       <p:sp>
@@ -31197,15 +31416,18 @@
         </p:blipFill>
         <p:spPr>
           <a:xfrm>
-            <a:off x="5695018" y="2183912"/>
+            <a:off x="5930986" y="2183912"/>
             <a:ext cx="5334053" cy="2238687"/>
           </a:xfrm>
           <a:prstGeom prst="rect">
             <a:avLst/>
           </a:prstGeom>
-          <a:ln>
+          <a:ln w="38100">
             <a:solidFill>
-              <a:schemeClr val="tx1"/>
+              <a:schemeClr val="accent3">
+                <a:lumMod val="60000"/>
+                <a:lumOff val="40000"/>
+              </a:schemeClr>
             </a:solidFill>
           </a:ln>
         </p:spPr>
@@ -31310,6 +31532,57 @@
               <a:latin typeface="Calibri" panose="020F0502020204030204" pitchFamily="34" charset="0"/>
               <a:cs typeface="Calibri" panose="020F0502020204030204" pitchFamily="34" charset="0"/>
             </a:endParaRPr>
+          </a:p>
+        </p:txBody>
+      </p:sp>
+      <p:sp>
+        <p:nvSpPr>
+          <p:cNvPr id="2" name="Arrow: Notched Right 1">
+            <a:extLst>
+              <a:ext uri="{FF2B5EF4-FFF2-40B4-BE49-F238E27FC236}">
+                <a16:creationId xmlns:a16="http://schemas.microsoft.com/office/drawing/2014/main" id="{BB8295DF-FA49-708C-9660-88444FCA6F44}"/>
+              </a:ext>
+            </a:extLst>
+          </p:cNvPr>
+          <p:cNvSpPr/>
+          <p:nvPr/>
+        </p:nvSpPr>
+        <p:spPr>
+          <a:xfrm>
+            <a:off x="5250426" y="3111907"/>
+            <a:ext cx="457200" cy="206477"/>
+          </a:xfrm>
+          <a:prstGeom prst="notchedRightArrow">
+            <a:avLst/>
+          </a:prstGeom>
+          <a:solidFill>
+            <a:schemeClr val="accent6">
+              <a:lumMod val="75000"/>
+            </a:schemeClr>
+          </a:solidFill>
+        </p:spPr>
+        <p:style>
+          <a:lnRef idx="2">
+            <a:schemeClr val="accent1">
+              <a:shade val="15000"/>
+            </a:schemeClr>
+          </a:lnRef>
+          <a:fillRef idx="1">
+            <a:schemeClr val="accent1"/>
+          </a:fillRef>
+          <a:effectRef idx="0">
+            <a:schemeClr val="accent1"/>
+          </a:effectRef>
+          <a:fontRef idx="minor">
+            <a:schemeClr val="lt1"/>
+          </a:fontRef>
+        </p:style>
+        <p:txBody>
+          <a:bodyPr rtlCol="0" anchor="ctr"/>
+          <a:lstStyle/>
+          <a:p>
+            <a:pPr algn="ctr"/>
+            <a:endParaRPr lang="en-IN"/>
           </a:p>
         </p:txBody>
       </p:sp>
@@ -31942,6 +32215,11 @@
           <a:prstGeom prst="rect">
             <a:avLst/>
           </a:prstGeom>
+          <a:ln>
+            <a:solidFill>
+              <a:schemeClr val="tx1"/>
+            </a:solidFill>
+          </a:ln>
         </p:spPr>
       </p:pic>
       <p:sp>
@@ -32049,6 +32327,28 @@
           </a:p>
           <a:p>
             <a:pPr algn="ctr"/>
+            <a:endParaRPr lang="en-US" dirty="0">
+              <a:ln w="0"/>
+              <a:solidFill>
+                <a:srgbClr val="000000"/>
+              </a:solidFill>
+              <a:latin typeface="Calibri" panose="020F0502020204030204" pitchFamily="34" charset="0"/>
+              <a:cs typeface="Calibri" panose="020F0502020204030204" pitchFamily="34" charset="0"/>
+            </a:endParaRPr>
+          </a:p>
+          <a:p>
+            <a:pPr algn="ctr"/>
+            <a:endParaRPr lang="en-US" sz="1400" dirty="0">
+              <a:ln w="0"/>
+              <a:solidFill>
+                <a:srgbClr val="000000"/>
+              </a:solidFill>
+              <a:latin typeface="Calibri" panose="020F0502020204030204" pitchFamily="34" charset="0"/>
+              <a:cs typeface="Calibri" panose="020F0502020204030204" pitchFamily="34" charset="0"/>
+            </a:endParaRPr>
+          </a:p>
+          <a:p>
+            <a:pPr algn="ctr"/>
             <a:r>
               <a:rPr lang="en-IN" sz="1400" dirty="0">
                 <a:ln w="0"/>
@@ -32231,6 +32531,17 @@
                   </a:schemeClr>
                 </a:outerShdw>
               </a:effectLst>
+              <a:latin typeface="Calibri" panose="020F0502020204030204" pitchFamily="34" charset="0"/>
+              <a:cs typeface="Calibri" panose="020F0502020204030204" pitchFamily="34" charset="0"/>
+            </a:endParaRPr>
+          </a:p>
+          <a:p>
+            <a:pPr algn="ctr"/>
+            <a:endParaRPr lang="en-US" sz="1400" dirty="0">
+              <a:ln w="0"/>
+              <a:solidFill>
+                <a:schemeClr val="tx1"/>
+              </a:solidFill>
               <a:latin typeface="Calibri" panose="020F0502020204030204" pitchFamily="34" charset="0"/>
               <a:cs typeface="Calibri" panose="020F0502020204030204" pitchFamily="34" charset="0"/>
             </a:endParaRPr>
@@ -32438,6 +32749,66 @@
           </a:p>
         </p:txBody>
       </p:sp>
+      <p:pic>
+        <p:nvPicPr>
+          <p:cNvPr id="5" name="Picture 4">
+            <a:extLst>
+              <a:ext uri="{FF2B5EF4-FFF2-40B4-BE49-F238E27FC236}">
+                <a16:creationId xmlns:a16="http://schemas.microsoft.com/office/drawing/2014/main" id="{BDD87D2A-66F1-4D99-3104-200CA51CFA5F}"/>
+              </a:ext>
+            </a:extLst>
+          </p:cNvPr>
+          <p:cNvPicPr>
+            <a:picLocks noChangeAspect="1"/>
+          </p:cNvPicPr>
+          <p:nvPr/>
+        </p:nvPicPr>
+        <p:blipFill>
+          <a:blip r:embed="rId4"/>
+          <a:stretch>
+            <a:fillRect/>
+          </a:stretch>
+        </p:blipFill>
+        <p:spPr>
+          <a:xfrm>
+            <a:off x="8532714" y="2177820"/>
+            <a:ext cx="573301" cy="468000"/>
+          </a:xfrm>
+          <a:prstGeom prst="rect">
+            <a:avLst/>
+          </a:prstGeom>
+        </p:spPr>
+      </p:pic>
+      <p:pic>
+        <p:nvPicPr>
+          <p:cNvPr id="15" name="Picture 14">
+            <a:extLst>
+              <a:ext uri="{FF2B5EF4-FFF2-40B4-BE49-F238E27FC236}">
+                <a16:creationId xmlns:a16="http://schemas.microsoft.com/office/drawing/2014/main" id="{29D3CBA4-B5AC-7294-DCC8-4009DC250A36}"/>
+              </a:ext>
+            </a:extLst>
+          </p:cNvPr>
+          <p:cNvPicPr>
+            <a:picLocks noChangeAspect="1"/>
+          </p:cNvPicPr>
+          <p:nvPr/>
+        </p:nvPicPr>
+        <p:blipFill>
+          <a:blip r:embed="rId5"/>
+          <a:stretch>
+            <a:fillRect/>
+          </a:stretch>
+        </p:blipFill>
+        <p:spPr>
+          <a:xfrm>
+            <a:off x="8613916" y="4705985"/>
+            <a:ext cx="542672" cy="542672"/>
+          </a:xfrm>
+          <a:prstGeom prst="rect">
+            <a:avLst/>
+          </a:prstGeom>
+        </p:spPr>
+      </p:pic>
     </p:spTree>
     <p:extLst>
       <p:ext uri="{BB962C8B-B14F-4D97-AF65-F5344CB8AC3E}">
